--- a/images/Images crées.pptx
+++ b/images/Images crées.pptx
@@ -5,7 +5,7 @@
     <p:sldMasterId id="2147483648" r:id="rId1"/>
   </p:sldMasterIdLst>
   <p:notesMasterIdLst>
-    <p:notesMasterId r:id="rId11"/>
+    <p:notesMasterId r:id="rId12"/>
   </p:notesMasterIdLst>
   <p:sldIdLst>
     <p:sldId id="256" r:id="rId2"/>
@@ -17,6 +17,7 @@
     <p:sldId id="263" r:id="rId8"/>
     <p:sldId id="266" r:id="rId9"/>
     <p:sldId id="267" r:id="rId10"/>
+    <p:sldId id="268" r:id="rId11"/>
   </p:sldIdLst>
   <p:sldSz cx="9144000" cy="6858000" type="screen4x3"/>
   <p:notesSz cx="6858000" cy="9144000"/>
@@ -200,7 +201,7 @@
           <a:p>
             <a:fld id="{43D08660-1C44-8B45-87E8-96910836BB67}" type="datetimeFigureOut">
               <a:rPr lang="fr-FR" smtClean="0"/>
-              <a:t>24/12/17</a:t>
+              <a:t>01/01/18</a:t>
             </a:fld>
             <a:endParaRPr lang="fr-FR"/>
           </a:p>
@@ -985,7 +986,7 @@
           <a:p>
             <a:fld id="{4F0F2B71-8669-F64A-B8C4-0626AE283C42}" type="datetimeFigureOut">
               <a:rPr lang="fr-FR" smtClean="0"/>
-              <a:t>24/12/17</a:t>
+              <a:t>01/01/18</a:t>
             </a:fld>
             <a:endParaRPr lang="fr-FR"/>
           </a:p>
@@ -1155,7 +1156,7 @@
           <a:p>
             <a:fld id="{4F0F2B71-8669-F64A-B8C4-0626AE283C42}" type="datetimeFigureOut">
               <a:rPr lang="fr-FR" smtClean="0"/>
-              <a:t>24/12/17</a:t>
+              <a:t>01/01/18</a:t>
             </a:fld>
             <a:endParaRPr lang="fr-FR"/>
           </a:p>
@@ -1335,7 +1336,7 @@
           <a:p>
             <a:fld id="{4F0F2B71-8669-F64A-B8C4-0626AE283C42}" type="datetimeFigureOut">
               <a:rPr lang="fr-FR" smtClean="0"/>
-              <a:t>24/12/17</a:t>
+              <a:t>01/01/18</a:t>
             </a:fld>
             <a:endParaRPr lang="fr-FR"/>
           </a:p>
@@ -1505,7 +1506,7 @@
           <a:p>
             <a:fld id="{4F0F2B71-8669-F64A-B8C4-0626AE283C42}" type="datetimeFigureOut">
               <a:rPr lang="fr-FR" smtClean="0"/>
-              <a:t>24/12/17</a:t>
+              <a:t>01/01/18</a:t>
             </a:fld>
             <a:endParaRPr lang="fr-FR"/>
           </a:p>
@@ -1751,7 +1752,7 @@
           <a:p>
             <a:fld id="{4F0F2B71-8669-F64A-B8C4-0626AE283C42}" type="datetimeFigureOut">
               <a:rPr lang="fr-FR" smtClean="0"/>
-              <a:t>24/12/17</a:t>
+              <a:t>01/01/18</a:t>
             </a:fld>
             <a:endParaRPr lang="fr-FR"/>
           </a:p>
@@ -2039,7 +2040,7 @@
           <a:p>
             <a:fld id="{4F0F2B71-8669-F64A-B8C4-0626AE283C42}" type="datetimeFigureOut">
               <a:rPr lang="fr-FR" smtClean="0"/>
-              <a:t>24/12/17</a:t>
+              <a:t>01/01/18</a:t>
             </a:fld>
             <a:endParaRPr lang="fr-FR"/>
           </a:p>
@@ -2461,7 +2462,7 @@
           <a:p>
             <a:fld id="{4F0F2B71-8669-F64A-B8C4-0626AE283C42}" type="datetimeFigureOut">
               <a:rPr lang="fr-FR" smtClean="0"/>
-              <a:t>24/12/17</a:t>
+              <a:t>01/01/18</a:t>
             </a:fld>
             <a:endParaRPr lang="fr-FR"/>
           </a:p>
@@ -2579,7 +2580,7 @@
           <a:p>
             <a:fld id="{4F0F2B71-8669-F64A-B8C4-0626AE283C42}" type="datetimeFigureOut">
               <a:rPr lang="fr-FR" smtClean="0"/>
-              <a:t>24/12/17</a:t>
+              <a:t>01/01/18</a:t>
             </a:fld>
             <a:endParaRPr lang="fr-FR"/>
           </a:p>
@@ -2674,7 +2675,7 @@
           <a:p>
             <a:fld id="{4F0F2B71-8669-F64A-B8C4-0626AE283C42}" type="datetimeFigureOut">
               <a:rPr lang="fr-FR" smtClean="0"/>
-              <a:t>24/12/17</a:t>
+              <a:t>01/01/18</a:t>
             </a:fld>
             <a:endParaRPr lang="fr-FR"/>
           </a:p>
@@ -2951,7 +2952,7 @@
           <a:p>
             <a:fld id="{4F0F2B71-8669-F64A-B8C4-0626AE283C42}" type="datetimeFigureOut">
               <a:rPr lang="fr-FR" smtClean="0"/>
-              <a:t>24/12/17</a:t>
+              <a:t>01/01/18</a:t>
             </a:fld>
             <a:endParaRPr lang="fr-FR"/>
           </a:p>
@@ -3204,7 +3205,7 @@
           <a:p>
             <a:fld id="{4F0F2B71-8669-F64A-B8C4-0626AE283C42}" type="datetimeFigureOut">
               <a:rPr lang="fr-FR" smtClean="0"/>
-              <a:t>24/12/17</a:t>
+              <a:t>01/01/18</a:t>
             </a:fld>
             <a:endParaRPr lang="fr-FR"/>
           </a:p>
@@ -3417,7 +3418,7 @@
           <a:p>
             <a:fld id="{4F0F2B71-8669-F64A-B8C4-0626AE283C42}" type="datetimeFigureOut">
               <a:rPr lang="fr-FR" smtClean="0"/>
-              <a:t>24/12/17</a:t>
+              <a:t>01/01/18</a:t>
             </a:fld>
             <a:endParaRPr lang="fr-FR"/>
           </a:p>
@@ -4220,6 +4221,375 @@
 </p:sld>
 </file>
 
+<file path=ppt/slides/slide10.xml><?xml version="1.0" encoding="utf-8"?>
+<p:sld xmlns:a="http://schemas.openxmlformats.org/drawingml/2006/main" xmlns:r="http://schemas.openxmlformats.org/officeDocument/2006/relationships" xmlns:p="http://schemas.openxmlformats.org/presentationml/2006/main">
+  <p:cSld>
+    <p:spTree>
+      <p:nvGrpSpPr>
+        <p:cNvPr id="1" name=""/>
+        <p:cNvGrpSpPr/>
+        <p:nvPr/>
+      </p:nvGrpSpPr>
+      <p:grpSpPr>
+        <a:xfrm>
+          <a:off x="0" y="0"/>
+          <a:ext cx="0" cy="0"/>
+          <a:chOff x="0" y="0"/>
+          <a:chExt cx="0" cy="0"/>
+        </a:xfrm>
+      </p:grpSpPr>
+      <p:grpSp>
+        <p:nvGrpSpPr>
+          <p:cNvPr id="7" name="Grouper 6"/>
+          <p:cNvGrpSpPr/>
+          <p:nvPr/>
+        </p:nvGrpSpPr>
+        <p:grpSpPr>
+          <a:xfrm>
+            <a:off x="3346774" y="2739019"/>
+            <a:ext cx="1891021" cy="707555"/>
+            <a:chOff x="2923273" y="3075223"/>
+            <a:chExt cx="1891021" cy="707555"/>
+          </a:xfrm>
+        </p:grpSpPr>
+        <p:pic>
+          <p:nvPicPr>
+            <p:cNvPr id="2" name="Image 1"/>
+            <p:cNvPicPr>
+              <a:picLocks noChangeAspect="1"/>
+            </p:cNvPicPr>
+            <p:nvPr/>
+          </p:nvPicPr>
+          <p:blipFill>
+            <a:blip r:embed="rId2"/>
+            <a:stretch>
+              <a:fillRect/>
+            </a:stretch>
+          </p:blipFill>
+          <p:spPr>
+            <a:xfrm>
+              <a:off x="2923273" y="3075223"/>
+              <a:ext cx="707555" cy="707555"/>
+            </a:xfrm>
+            <a:prstGeom prst="rect">
+              <a:avLst/>
+            </a:prstGeom>
+          </p:spPr>
+        </p:pic>
+        <p:sp>
+          <p:nvSpPr>
+            <p:cNvPr id="3" name="ZoneTexte 2"/>
+            <p:cNvSpPr txBox="1"/>
+            <p:nvPr/>
+          </p:nvSpPr>
+          <p:spPr>
+            <a:xfrm>
+              <a:off x="3562624" y="3228784"/>
+              <a:ext cx="1251670" cy="400110"/>
+            </a:xfrm>
+            <a:prstGeom prst="rect">
+              <a:avLst/>
+            </a:prstGeom>
+            <a:noFill/>
+          </p:spPr>
+          <p:txBody>
+            <a:bodyPr vert="horz" wrap="square" rtlCol="0">
+              <a:spAutoFit/>
+            </a:bodyPr>
+            <a:lstStyle/>
+            <a:p>
+              <a:pPr algn="ctr"/>
+              <a:r>
+                <a:rPr lang="fr-FR" sz="2000" dirty="0" err="1" smtClean="0">
+                  <a:solidFill>
+                    <a:srgbClr val="313131"/>
+                  </a:solidFill>
+                  <a:latin typeface="Abadi MT Condensed Light"/>
+                  <a:cs typeface="Abadi MT Condensed Light"/>
+                </a:rPr>
+                <a:t>Liste_profils</a:t>
+              </a:r>
+              <a:endParaRPr lang="fr-FR" sz="2000" dirty="0">
+                <a:solidFill>
+                  <a:srgbClr val="313131"/>
+                </a:solidFill>
+                <a:latin typeface="Abadi MT Condensed Light"/>
+                <a:cs typeface="Abadi MT Condensed Light"/>
+              </a:endParaRPr>
+            </a:p>
+          </p:txBody>
+        </p:sp>
+      </p:grpSp>
+      <p:sp>
+        <p:nvSpPr>
+          <p:cNvPr id="5" name="Rectangle 4"/>
+          <p:cNvSpPr/>
+          <p:nvPr/>
+        </p:nvSpPr>
+        <p:spPr>
+          <a:xfrm>
+            <a:off x="4657789" y="1190221"/>
+            <a:ext cx="2668224" cy="1180854"/>
+          </a:xfrm>
+          <a:prstGeom prst="rect">
+            <a:avLst/>
+          </a:prstGeom>
+          <a:solidFill>
+            <a:schemeClr val="accent4"/>
+          </a:solidFill>
+          <a:ln>
+            <a:solidFill>
+              <a:srgbClr val="FFFF00"/>
+            </a:solidFill>
+          </a:ln>
+          <a:effectLst/>
+        </p:spPr>
+        <p:style>
+          <a:lnRef idx="1">
+            <a:schemeClr val="accent1"/>
+          </a:lnRef>
+          <a:fillRef idx="3">
+            <a:schemeClr val="accent1"/>
+          </a:fillRef>
+          <a:effectRef idx="2">
+            <a:schemeClr val="accent1"/>
+          </a:effectRef>
+          <a:fontRef idx="minor">
+            <a:schemeClr val="lt1"/>
+          </a:fontRef>
+        </p:style>
+        <p:txBody>
+          <a:bodyPr rtlCol="0" anchor="t"/>
+          <a:lstStyle/>
+          <a:p>
+            <a:pPr algn="ctr"/>
+            <a:r>
+              <a:rPr lang="fr-FR" dirty="0" smtClean="0"/>
+              <a:t>Mode « fournée du jour </a:t>
+            </a:r>
+            <a:r>
+              <a:rPr lang="fr-FR" dirty="0" smtClean="0"/>
+              <a:t>»</a:t>
+            </a:r>
+          </a:p>
+          <a:p>
+            <a:r>
+              <a:rPr lang="fr-FR" sz="1600" dirty="0" smtClean="0"/>
+              <a:t>Ecrit les identifiants de profils sélectionnés aléatoirement</a:t>
+            </a:r>
+            <a:endParaRPr lang="fr-FR" sz="1600" dirty="0"/>
+          </a:p>
+        </p:txBody>
+      </p:sp>
+      <p:sp>
+        <p:nvSpPr>
+          <p:cNvPr id="6" name="Rectangle 5"/>
+          <p:cNvSpPr/>
+          <p:nvPr/>
+        </p:nvSpPr>
+        <p:spPr>
+          <a:xfrm>
+            <a:off x="1258555" y="1190221"/>
+            <a:ext cx="2668224" cy="1180854"/>
+          </a:xfrm>
+          <a:prstGeom prst="rect">
+            <a:avLst/>
+          </a:prstGeom>
+          <a:solidFill>
+            <a:schemeClr val="accent4"/>
+          </a:solidFill>
+          <a:ln>
+            <a:solidFill>
+              <a:srgbClr val="FFFF00"/>
+            </a:solidFill>
+          </a:ln>
+          <a:effectLst/>
+        </p:spPr>
+        <p:style>
+          <a:lnRef idx="1">
+            <a:schemeClr val="accent1"/>
+          </a:lnRef>
+          <a:fillRef idx="3">
+            <a:schemeClr val="accent1"/>
+          </a:fillRef>
+          <a:effectRef idx="2">
+            <a:schemeClr val="accent1"/>
+          </a:effectRef>
+          <a:fontRef idx="minor">
+            <a:schemeClr val="lt1"/>
+          </a:fontRef>
+        </p:style>
+        <p:txBody>
+          <a:bodyPr rtlCol="0" anchor="t"/>
+          <a:lstStyle/>
+          <a:p>
+            <a:pPr algn="ctr"/>
+            <a:r>
+              <a:rPr lang="fr-FR" dirty="0" smtClean="0"/>
+              <a:t>Mode « requ</a:t>
+            </a:r>
+            <a:r>
+              <a:rPr lang="fr-FR" dirty="0" smtClean="0"/>
+              <a:t>ête »</a:t>
+            </a:r>
+          </a:p>
+          <a:p>
+            <a:r>
+              <a:rPr lang="fr-FR" sz="1600" dirty="0" smtClean="0"/>
+              <a:t>Ecrit les identifiants des profils correspondant à la requête utilisateur </a:t>
+            </a:r>
+            <a:endParaRPr lang="fr-FR" sz="1600" dirty="0"/>
+          </a:p>
+        </p:txBody>
+      </p:sp>
+      <p:cxnSp>
+        <p:nvCxnSpPr>
+          <p:cNvPr id="11" name="Connecteur en angle 10"/>
+          <p:cNvCxnSpPr>
+            <a:stCxn id="5" idx="2"/>
+            <a:endCxn id="3" idx="3"/>
+          </p:cNvCxnSpPr>
+          <p:nvPr/>
+        </p:nvCxnSpPr>
+        <p:spPr>
+          <a:xfrm rot="5400000">
+            <a:off x="5254068" y="2354802"/>
+            <a:ext cx="721560" cy="754106"/>
+          </a:xfrm>
+          <a:prstGeom prst="bentConnector2">
+            <a:avLst/>
+          </a:prstGeom>
+          <a:ln w="38100" cmpd="sng">
+            <a:solidFill>
+              <a:schemeClr val="accent6"/>
+            </a:solidFill>
+            <a:tailEnd type="arrow"/>
+          </a:ln>
+          <a:effectLst/>
+        </p:spPr>
+        <p:style>
+          <a:lnRef idx="2">
+            <a:schemeClr val="accent1"/>
+          </a:lnRef>
+          <a:fillRef idx="0">
+            <a:schemeClr val="accent1"/>
+          </a:fillRef>
+          <a:effectRef idx="1">
+            <a:schemeClr val="accent1"/>
+          </a:effectRef>
+          <a:fontRef idx="minor">
+            <a:schemeClr val="tx1"/>
+          </a:fontRef>
+        </p:style>
+      </p:cxnSp>
+      <p:cxnSp>
+        <p:nvCxnSpPr>
+          <p:cNvPr id="12" name="Connecteur en angle 11"/>
+          <p:cNvCxnSpPr>
+            <a:stCxn id="6" idx="2"/>
+            <a:endCxn id="2" idx="1"/>
+          </p:cNvCxnSpPr>
+          <p:nvPr/>
+        </p:nvCxnSpPr>
+        <p:spPr>
+          <a:xfrm rot="16200000" flipH="1">
+            <a:off x="2608859" y="2354882"/>
+            <a:ext cx="721722" cy="754107"/>
+          </a:xfrm>
+          <a:prstGeom prst="bentConnector2">
+            <a:avLst/>
+          </a:prstGeom>
+          <a:ln w="38100" cmpd="sng">
+            <a:solidFill>
+              <a:schemeClr val="accent6"/>
+            </a:solidFill>
+            <a:tailEnd type="arrow"/>
+          </a:ln>
+          <a:effectLst/>
+        </p:spPr>
+        <p:style>
+          <a:lnRef idx="2">
+            <a:schemeClr val="accent1"/>
+          </a:lnRef>
+          <a:fillRef idx="0">
+            <a:schemeClr val="accent1"/>
+          </a:fillRef>
+          <a:effectRef idx="1">
+            <a:schemeClr val="accent1"/>
+          </a:effectRef>
+          <a:fontRef idx="minor">
+            <a:schemeClr val="tx1"/>
+          </a:fontRef>
+        </p:style>
+      </p:cxnSp>
+      <p:sp>
+        <p:nvSpPr>
+          <p:cNvPr id="16" name="Rectangle 15"/>
+          <p:cNvSpPr/>
+          <p:nvPr/>
+        </p:nvSpPr>
+        <p:spPr>
+          <a:xfrm>
+            <a:off x="3045497" y="3854973"/>
+            <a:ext cx="2668224" cy="1180854"/>
+          </a:xfrm>
+          <a:prstGeom prst="rect">
+            <a:avLst/>
+          </a:prstGeom>
+          <a:solidFill>
+            <a:schemeClr val="accent6"/>
+          </a:solidFill>
+          <a:ln>
+            <a:solidFill>
+              <a:srgbClr val="FFFF00"/>
+            </a:solidFill>
+          </a:ln>
+          <a:effectLst/>
+        </p:spPr>
+        <p:style>
+          <a:lnRef idx="1">
+            <a:schemeClr val="accent1"/>
+          </a:lnRef>
+          <a:fillRef idx="3">
+            <a:schemeClr val="accent1"/>
+          </a:fillRef>
+          <a:effectRef idx="2">
+            <a:schemeClr val="accent1"/>
+          </a:effectRef>
+          <a:fontRef idx="minor">
+            <a:schemeClr val="lt1"/>
+          </a:fontRef>
+        </p:style>
+        <p:txBody>
+          <a:bodyPr rtlCol="0" anchor="ctr"/>
+          <a:lstStyle/>
+          <a:p>
+            <a:pPr algn="ctr"/>
+            <a:r>
+              <a:rPr lang="fr-FR" dirty="0" err="1" smtClean="0"/>
+              <a:t>Parsing</a:t>
+            </a:r>
+            <a:r>
+              <a:rPr lang="fr-FR" dirty="0" smtClean="0"/>
+              <a:t> des identifiants écrits</a:t>
+            </a:r>
+            <a:endParaRPr lang="fr-FR" dirty="0"/>
+          </a:p>
+        </p:txBody>
+      </p:sp>
+    </p:spTree>
+    <p:extLst>
+      <p:ext uri="{BB962C8B-B14F-4D97-AF65-F5344CB8AC3E}">
+        <p14:creationId xmlns:p14="http://schemas.microsoft.com/office/powerpoint/2010/main" val="3146241575"/>
+      </p:ext>
+    </p:extLst>
+  </p:cSld>
+  <p:clrMapOvr>
+    <a:masterClrMapping/>
+  </p:clrMapOvr>
+</p:sld>
+</file>
+
 <file path=ppt/slides/slide2.xml><?xml version="1.0" encoding="utf-8"?>
 <p:sld xmlns:a="http://schemas.openxmlformats.org/drawingml/2006/main" xmlns:r="http://schemas.openxmlformats.org/officeDocument/2006/relationships" xmlns:p="http://schemas.openxmlformats.org/presentationml/2006/main">
   <p:cSld>
@@ -9847,7 +10217,7 @@
       </p:pic>
       <p:pic>
         <p:nvPicPr>
-          <p:cNvPr id="32" name="Image 31"/>
+          <p:cNvPr id="65" name="Image 64"/>
           <p:cNvPicPr>
             <a:picLocks noChangeAspect="1"/>
           </p:cNvPicPr>
@@ -9877,13 +10247,13 @@
       </p:pic>
       <p:grpSp>
         <p:nvGrpSpPr>
-          <p:cNvPr id="40" name="Grouper 39"/>
+          <p:cNvPr id="66" name="Grouper 65"/>
           <p:cNvGrpSpPr/>
           <p:nvPr/>
         </p:nvGrpSpPr>
         <p:grpSpPr>
           <a:xfrm>
-            <a:off x="7117371" y="4308603"/>
+            <a:off x="7129822" y="4383315"/>
             <a:ext cx="689814" cy="159034"/>
             <a:chOff x="1863637" y="810803"/>
             <a:chExt cx="689814" cy="159034"/>
@@ -9891,7 +10261,7 @@
         </p:grpSpPr>
         <p:cxnSp>
           <p:nvCxnSpPr>
-            <p:cNvPr id="41" name="Connecteur droit 40"/>
+            <p:cNvPr id="67" name="Connecteur droit 66"/>
             <p:cNvCxnSpPr/>
             <p:nvPr/>
           </p:nvCxnSpPr>
@@ -9927,7 +10297,7 @@
         </p:cxnSp>
         <p:sp>
           <p:nvSpPr>
-            <p:cNvPr id="42" name="Ellipse 41"/>
+            <p:cNvPr id="68" name="Ellipse 67"/>
             <p:cNvSpPr/>
             <p:nvPr/>
           </p:nvSpPr>
@@ -9975,7 +10345,7 @@
       </p:grpSp>
       <p:grpSp>
         <p:nvGrpSpPr>
-          <p:cNvPr id="43" name="Grouper 42"/>
+          <p:cNvPr id="69" name="Grouper 68"/>
           <p:cNvGrpSpPr/>
           <p:nvPr/>
         </p:nvGrpSpPr>
@@ -9989,7 +10359,7 @@
         </p:grpSpPr>
         <p:cxnSp>
           <p:nvCxnSpPr>
-            <p:cNvPr id="44" name="Connecteur droit 43"/>
+            <p:cNvPr id="70" name="Connecteur droit 69"/>
             <p:cNvCxnSpPr/>
             <p:nvPr/>
           </p:nvCxnSpPr>
@@ -10025,7 +10395,7 @@
         </p:cxnSp>
         <p:sp>
           <p:nvSpPr>
-            <p:cNvPr id="45" name="Ellipse 44"/>
+            <p:cNvPr id="71" name="Ellipse 70"/>
             <p:cNvSpPr/>
             <p:nvPr/>
           </p:nvSpPr>
@@ -10073,13 +10443,13 @@
       </p:grpSp>
       <p:grpSp>
         <p:nvGrpSpPr>
-          <p:cNvPr id="46" name="Grouper 45"/>
+          <p:cNvPr id="72" name="Grouper 71"/>
           <p:cNvGrpSpPr/>
           <p:nvPr/>
         </p:nvGrpSpPr>
         <p:grpSpPr>
           <a:xfrm flipH="1">
-            <a:off x="5827903" y="4706261"/>
+            <a:off x="5815452" y="4731165"/>
             <a:ext cx="696491" cy="159034"/>
             <a:chOff x="1863637" y="810803"/>
             <a:chExt cx="685675" cy="159034"/>
@@ -10087,7 +10457,7 @@
         </p:grpSpPr>
         <p:cxnSp>
           <p:nvCxnSpPr>
-            <p:cNvPr id="47" name="Connecteur droit 46"/>
+            <p:cNvPr id="73" name="Connecteur droit 72"/>
             <p:cNvCxnSpPr/>
             <p:nvPr/>
           </p:nvCxnSpPr>
@@ -10123,7 +10493,7 @@
         </p:cxnSp>
         <p:sp>
           <p:nvSpPr>
-            <p:cNvPr id="48" name="Ellipse 47"/>
+            <p:cNvPr id="74" name="Ellipse 73"/>
             <p:cNvSpPr/>
             <p:nvPr/>
           </p:nvSpPr>
@@ -10171,7 +10541,7 @@
       </p:grpSp>
       <p:grpSp>
         <p:nvGrpSpPr>
-          <p:cNvPr id="49" name="Grouper 48"/>
+          <p:cNvPr id="75" name="Grouper 74"/>
           <p:cNvGrpSpPr/>
           <p:nvPr/>
         </p:nvGrpSpPr>
@@ -10185,7 +10555,7 @@
         </p:grpSpPr>
         <p:cxnSp>
           <p:nvCxnSpPr>
-            <p:cNvPr id="50" name="Connecteur droit 49"/>
+            <p:cNvPr id="76" name="Connecteur droit 75"/>
             <p:cNvCxnSpPr/>
             <p:nvPr/>
           </p:nvCxnSpPr>
@@ -10221,7 +10591,7 @@
         </p:cxnSp>
         <p:sp>
           <p:nvSpPr>
-            <p:cNvPr id="51" name="Ellipse 50"/>
+            <p:cNvPr id="77" name="Ellipse 76"/>
             <p:cNvSpPr/>
             <p:nvPr/>
           </p:nvSpPr>
@@ -10269,7 +10639,7 @@
       </p:grpSp>
       <p:grpSp>
         <p:nvGrpSpPr>
-          <p:cNvPr id="52" name="Grouper 51"/>
+          <p:cNvPr id="78" name="Grouper 77"/>
           <p:cNvGrpSpPr/>
           <p:nvPr/>
         </p:nvGrpSpPr>
@@ -10283,7 +10653,7 @@
         </p:grpSpPr>
         <p:cxnSp>
           <p:nvCxnSpPr>
-            <p:cNvPr id="53" name="Connecteur droit 52"/>
+            <p:cNvPr id="79" name="Connecteur droit 78"/>
             <p:cNvCxnSpPr/>
             <p:nvPr/>
           </p:nvCxnSpPr>
@@ -10319,7 +10689,7 @@
         </p:cxnSp>
         <p:sp>
           <p:nvSpPr>
-            <p:cNvPr id="54" name="Ellipse 53"/>
+            <p:cNvPr id="80" name="Ellipse 79"/>
             <p:cNvSpPr/>
             <p:nvPr/>
           </p:nvSpPr>
@@ -10367,13 +10737,13 @@
       </p:grpSp>
       <p:sp>
         <p:nvSpPr>
-          <p:cNvPr id="55" name="ZoneTexte 54"/>
+          <p:cNvPr id="81" name="ZoneTexte 80"/>
           <p:cNvSpPr txBox="1"/>
           <p:nvPr/>
         </p:nvSpPr>
         <p:spPr>
           <a:xfrm>
-            <a:off x="7832087" y="4108548"/>
+            <a:off x="7844538" y="4183260"/>
             <a:ext cx="1345133" cy="400110"/>
           </a:xfrm>
           <a:prstGeom prst="rect">
@@ -10410,14 +10780,14 @@
       </p:sp>
       <p:sp>
         <p:nvSpPr>
-          <p:cNvPr id="56" name="ZoneTexte 55"/>
+          <p:cNvPr id="82" name="ZoneTexte 81"/>
           <p:cNvSpPr txBox="1"/>
           <p:nvPr/>
         </p:nvSpPr>
         <p:spPr>
           <a:xfrm>
-            <a:off x="4539547" y="4506206"/>
-            <a:ext cx="1275728" cy="400110"/>
+            <a:off x="5211165" y="4531110"/>
+            <a:ext cx="654650" cy="400110"/>
           </a:xfrm>
           <a:prstGeom prst="rect">
             <a:avLst/>
@@ -10431,6 +10801,92 @@
           <a:lstStyle/>
           <a:p>
             <a:pPr algn="ctr"/>
+            <a:r>
+              <a:rPr lang="fr-FR" sz="2000" dirty="0" smtClean="0">
+                <a:solidFill>
+                  <a:srgbClr val="313131"/>
+                </a:solidFill>
+                <a:latin typeface="Abadi MT Condensed Light"/>
+                <a:cs typeface="Abadi MT Condensed Light"/>
+              </a:rPr>
+              <a:t>IMC</a:t>
+            </a:r>
+            <a:endParaRPr lang="fr-FR" sz="2000" dirty="0">
+              <a:solidFill>
+                <a:srgbClr val="313131"/>
+              </a:solidFill>
+              <a:latin typeface="Abadi MT Condensed Light"/>
+              <a:cs typeface="Abadi MT Condensed Light"/>
+            </a:endParaRPr>
+          </a:p>
+        </p:txBody>
+      </p:sp>
+      <p:sp>
+        <p:nvSpPr>
+          <p:cNvPr id="83" name="ZoneTexte 82"/>
+          <p:cNvSpPr txBox="1"/>
+          <p:nvPr/>
+        </p:nvSpPr>
+        <p:spPr>
+          <a:xfrm>
+            <a:off x="7577418" y="6019668"/>
+            <a:ext cx="1238716" cy="400110"/>
+          </a:xfrm>
+          <a:prstGeom prst="rect">
+            <a:avLst/>
+          </a:prstGeom>
+          <a:noFill/>
+        </p:spPr>
+        <p:txBody>
+          <a:bodyPr vert="horz" wrap="square" rtlCol="0">
+            <a:spAutoFit/>
+          </a:bodyPr>
+          <a:lstStyle/>
+          <a:p>
+            <a:pPr algn="r"/>
+            <a:r>
+              <a:rPr lang="fr-FR" sz="2000" dirty="0" smtClean="0">
+                <a:solidFill>
+                  <a:srgbClr val="313131"/>
+                </a:solidFill>
+                <a:latin typeface="Abadi MT Condensed Light"/>
+                <a:cs typeface="Abadi MT Condensed Light"/>
+              </a:rPr>
+              <a:t>accessibilité</a:t>
+            </a:r>
+            <a:endParaRPr lang="fr-FR" sz="2000" dirty="0">
+              <a:solidFill>
+                <a:srgbClr val="313131"/>
+              </a:solidFill>
+              <a:latin typeface="Abadi MT Condensed Light"/>
+              <a:cs typeface="Abadi MT Condensed Light"/>
+            </a:endParaRPr>
+          </a:p>
+        </p:txBody>
+      </p:sp>
+      <p:sp>
+        <p:nvSpPr>
+          <p:cNvPr id="84" name="ZoneTexte 83"/>
+          <p:cNvSpPr txBox="1"/>
+          <p:nvPr/>
+        </p:nvSpPr>
+        <p:spPr>
+          <a:xfrm>
+            <a:off x="4636908" y="5210794"/>
+            <a:ext cx="1260562" cy="400110"/>
+          </a:xfrm>
+          <a:prstGeom prst="rect">
+            <a:avLst/>
+          </a:prstGeom>
+          <a:noFill/>
+        </p:spPr>
+        <p:txBody>
+          <a:bodyPr vert="horz" wrap="square" rtlCol="0">
+            <a:spAutoFit/>
+          </a:bodyPr>
+          <a:lstStyle/>
+          <a:p>
+            <a:pPr algn="r"/>
             <a:r>
               <a:rPr lang="fr-FR" sz="2000" dirty="0" err="1" smtClean="0">
                 <a:solidFill>
@@ -10453,93 +10909,7 @@
       </p:sp>
       <p:sp>
         <p:nvSpPr>
-          <p:cNvPr id="57" name="ZoneTexte 56"/>
-          <p:cNvSpPr txBox="1"/>
-          <p:nvPr/>
-        </p:nvSpPr>
-        <p:spPr>
-          <a:xfrm>
-            <a:off x="7577418" y="6019668"/>
-            <a:ext cx="1238716" cy="400110"/>
-          </a:xfrm>
-          <a:prstGeom prst="rect">
-            <a:avLst/>
-          </a:prstGeom>
-          <a:noFill/>
-        </p:spPr>
-        <p:txBody>
-          <a:bodyPr vert="horz" wrap="square" rtlCol="0">
-            <a:spAutoFit/>
-          </a:bodyPr>
-          <a:lstStyle/>
-          <a:p>
-            <a:pPr algn="r"/>
-            <a:r>
-              <a:rPr lang="fr-FR" sz="2000" dirty="0" smtClean="0">
-                <a:solidFill>
-                  <a:srgbClr val="313131"/>
-                </a:solidFill>
-                <a:latin typeface="Abadi MT Condensed Light"/>
-                <a:cs typeface="Abadi MT Condensed Light"/>
-              </a:rPr>
-              <a:t>accessibilité</a:t>
-            </a:r>
-            <a:endParaRPr lang="fr-FR" sz="2000" dirty="0">
-              <a:solidFill>
-                <a:srgbClr val="313131"/>
-              </a:solidFill>
-              <a:latin typeface="Abadi MT Condensed Light"/>
-              <a:cs typeface="Abadi MT Condensed Light"/>
-            </a:endParaRPr>
-          </a:p>
-        </p:txBody>
-      </p:sp>
-      <p:sp>
-        <p:nvSpPr>
-          <p:cNvPr id="58" name="ZoneTexte 57"/>
-          <p:cNvSpPr txBox="1"/>
-          <p:nvPr/>
-        </p:nvSpPr>
-        <p:spPr>
-          <a:xfrm>
-            <a:off x="5304835" y="5245547"/>
-            <a:ext cx="646867" cy="400110"/>
-          </a:xfrm>
-          <a:prstGeom prst="rect">
-            <a:avLst/>
-          </a:prstGeom>
-          <a:noFill/>
-        </p:spPr>
-        <p:txBody>
-          <a:bodyPr vert="horz" wrap="square" rtlCol="0">
-            <a:spAutoFit/>
-          </a:bodyPr>
-          <a:lstStyle/>
-          <a:p>
-            <a:pPr algn="r"/>
-            <a:r>
-              <a:rPr lang="fr-FR" sz="2000" dirty="0" smtClean="0">
-                <a:solidFill>
-                  <a:srgbClr val="313131"/>
-                </a:solidFill>
-                <a:latin typeface="Abadi MT Condensed Light"/>
-                <a:cs typeface="Abadi MT Condensed Light"/>
-              </a:rPr>
-              <a:t>IMC</a:t>
-            </a:r>
-            <a:endParaRPr lang="fr-FR" sz="2000" dirty="0">
-              <a:solidFill>
-                <a:srgbClr val="313131"/>
-              </a:solidFill>
-              <a:latin typeface="Abadi MT Condensed Light"/>
-              <a:cs typeface="Abadi MT Condensed Light"/>
-            </a:endParaRPr>
-          </a:p>
-        </p:txBody>
-      </p:sp>
-      <p:sp>
-        <p:nvSpPr>
-          <p:cNvPr id="59" name="ZoneTexte 58"/>
+          <p:cNvPr id="85" name="ZoneTexte 84"/>
           <p:cNvSpPr txBox="1"/>
           <p:nvPr/>
         </p:nvSpPr>
@@ -10569,6 +10939,287 @@
                 <a:cs typeface="Abadi MT Condensed Light"/>
               </a:rPr>
               <a:t>pct_fautes</a:t>
+            </a:r>
+            <a:endParaRPr lang="fr-FR" sz="2000" dirty="0">
+              <a:solidFill>
+                <a:srgbClr val="313131"/>
+              </a:solidFill>
+              <a:latin typeface="Abadi MT Condensed Light"/>
+              <a:cs typeface="Abadi MT Condensed Light"/>
+            </a:endParaRPr>
+          </a:p>
+        </p:txBody>
+      </p:sp>
+      <p:grpSp>
+        <p:nvGrpSpPr>
+          <p:cNvPr id="86" name="Grouper 85"/>
+          <p:cNvGrpSpPr/>
+          <p:nvPr/>
+        </p:nvGrpSpPr>
+        <p:grpSpPr>
+          <a:xfrm>
+            <a:off x="7040354" y="5183351"/>
+            <a:ext cx="689814" cy="159034"/>
+            <a:chOff x="1863637" y="810803"/>
+            <a:chExt cx="689814" cy="159034"/>
+          </a:xfrm>
+        </p:grpSpPr>
+        <p:cxnSp>
+          <p:nvCxnSpPr>
+            <p:cNvPr id="87" name="Connecteur droit 86"/>
+            <p:cNvCxnSpPr/>
+            <p:nvPr/>
+          </p:nvCxnSpPr>
+          <p:spPr>
+            <a:xfrm>
+              <a:off x="1966273" y="890320"/>
+              <a:ext cx="587178" cy="0"/>
+            </a:xfrm>
+            <a:prstGeom prst="line">
+              <a:avLst/>
+            </a:prstGeom>
+            <a:ln>
+              <a:solidFill>
+                <a:srgbClr val="EF7841"/>
+              </a:solidFill>
+            </a:ln>
+            <a:effectLst/>
+          </p:spPr>
+          <p:style>
+            <a:lnRef idx="2">
+              <a:schemeClr val="accent1"/>
+            </a:lnRef>
+            <a:fillRef idx="0">
+              <a:schemeClr val="accent1"/>
+            </a:fillRef>
+            <a:effectRef idx="1">
+              <a:schemeClr val="accent1"/>
+            </a:effectRef>
+            <a:fontRef idx="minor">
+              <a:schemeClr val="tx1"/>
+            </a:fontRef>
+          </p:style>
+        </p:cxnSp>
+        <p:sp>
+          <p:nvSpPr>
+            <p:cNvPr id="88" name="Ellipse 87"/>
+            <p:cNvSpPr/>
+            <p:nvPr/>
+          </p:nvSpPr>
+          <p:spPr>
+            <a:xfrm>
+              <a:off x="1863637" y="810803"/>
+              <a:ext cx="159034" cy="159034"/>
+            </a:xfrm>
+            <a:prstGeom prst="ellipse">
+              <a:avLst/>
+            </a:prstGeom>
+            <a:solidFill>
+              <a:srgbClr val="F52277"/>
+            </a:solidFill>
+            <a:ln>
+              <a:solidFill>
+                <a:schemeClr val="bg1"/>
+              </a:solidFill>
+            </a:ln>
+            <a:effectLst/>
+          </p:spPr>
+          <p:style>
+            <a:lnRef idx="2">
+              <a:schemeClr val="accent1"/>
+            </a:lnRef>
+            <a:fillRef idx="0">
+              <a:schemeClr val="accent1"/>
+            </a:fillRef>
+            <a:effectRef idx="1">
+              <a:schemeClr val="accent1"/>
+            </a:effectRef>
+            <a:fontRef idx="minor">
+              <a:schemeClr val="tx1"/>
+            </a:fontRef>
+          </p:style>
+          <p:txBody>
+            <a:bodyPr rtlCol="0" anchor="ctr"/>
+            <a:lstStyle/>
+            <a:p>
+              <a:pPr algn="r"/>
+              <a:endParaRPr lang="fr-FR"/>
+            </a:p>
+          </p:txBody>
+        </p:sp>
+      </p:grpSp>
+      <p:sp>
+        <p:nvSpPr>
+          <p:cNvPr id="89" name="ZoneTexte 88"/>
+          <p:cNvSpPr txBox="1"/>
+          <p:nvPr/>
+        </p:nvSpPr>
+        <p:spPr>
+          <a:xfrm>
+            <a:off x="7755070" y="4983296"/>
+            <a:ext cx="1222391" cy="400110"/>
+          </a:xfrm>
+          <a:prstGeom prst="rect">
+            <a:avLst/>
+          </a:prstGeom>
+          <a:noFill/>
+        </p:spPr>
+        <p:txBody>
+          <a:bodyPr vert="horz" wrap="square" rtlCol="0">
+            <a:spAutoFit/>
+          </a:bodyPr>
+          <a:lstStyle/>
+          <a:p>
+            <a:r>
+              <a:rPr lang="fr-FR" sz="2000" dirty="0" err="1" smtClean="0">
+                <a:solidFill>
+                  <a:srgbClr val="313131"/>
+                </a:solidFill>
+                <a:latin typeface="Abadi MT Condensed Light"/>
+                <a:cs typeface="Abadi MT Condensed Light"/>
+              </a:rPr>
+              <a:t>est_maman</a:t>
+            </a:r>
+            <a:endParaRPr lang="fr-FR" sz="2000" dirty="0">
+              <a:solidFill>
+                <a:srgbClr val="313131"/>
+              </a:solidFill>
+              <a:latin typeface="Abadi MT Condensed Light"/>
+              <a:cs typeface="Abadi MT Condensed Light"/>
+            </a:endParaRPr>
+          </a:p>
+        </p:txBody>
+      </p:sp>
+      <p:grpSp>
+        <p:nvGrpSpPr>
+          <p:cNvPr id="90" name="Grouper 89"/>
+          <p:cNvGrpSpPr/>
+          <p:nvPr/>
+        </p:nvGrpSpPr>
+        <p:grpSpPr>
+          <a:xfrm flipH="1">
+            <a:off x="5952023" y="4068993"/>
+            <a:ext cx="696491" cy="159034"/>
+            <a:chOff x="1863637" y="810803"/>
+            <a:chExt cx="685675" cy="159034"/>
+          </a:xfrm>
+        </p:grpSpPr>
+        <p:cxnSp>
+          <p:nvCxnSpPr>
+            <p:cNvPr id="91" name="Connecteur droit 90"/>
+            <p:cNvCxnSpPr/>
+            <p:nvPr/>
+          </p:nvCxnSpPr>
+          <p:spPr>
+            <a:xfrm>
+              <a:off x="1946812" y="890320"/>
+              <a:ext cx="602500" cy="0"/>
+            </a:xfrm>
+            <a:prstGeom prst="line">
+              <a:avLst/>
+            </a:prstGeom>
+            <a:ln>
+              <a:solidFill>
+                <a:srgbClr val="EF7841"/>
+              </a:solidFill>
+            </a:ln>
+            <a:effectLst/>
+          </p:spPr>
+          <p:style>
+            <a:lnRef idx="2">
+              <a:schemeClr val="accent1"/>
+            </a:lnRef>
+            <a:fillRef idx="0">
+              <a:schemeClr val="accent1"/>
+            </a:fillRef>
+            <a:effectRef idx="1">
+              <a:schemeClr val="accent1"/>
+            </a:effectRef>
+            <a:fontRef idx="minor">
+              <a:schemeClr val="tx1"/>
+            </a:fontRef>
+          </p:style>
+        </p:cxnSp>
+        <p:sp>
+          <p:nvSpPr>
+            <p:cNvPr id="92" name="Ellipse 91"/>
+            <p:cNvSpPr/>
+            <p:nvPr/>
+          </p:nvSpPr>
+          <p:spPr>
+            <a:xfrm>
+              <a:off x="1863637" y="810803"/>
+              <a:ext cx="159034" cy="159034"/>
+            </a:xfrm>
+            <a:prstGeom prst="ellipse">
+              <a:avLst/>
+            </a:prstGeom>
+            <a:solidFill>
+              <a:srgbClr val="F52277"/>
+            </a:solidFill>
+            <a:ln>
+              <a:solidFill>
+                <a:schemeClr val="bg1"/>
+              </a:solidFill>
+            </a:ln>
+            <a:effectLst/>
+          </p:spPr>
+          <p:style>
+            <a:lnRef idx="2">
+              <a:schemeClr val="accent1"/>
+            </a:lnRef>
+            <a:fillRef idx="0">
+              <a:schemeClr val="accent1"/>
+            </a:fillRef>
+            <a:effectRef idx="1">
+              <a:schemeClr val="accent1"/>
+            </a:effectRef>
+            <a:fontRef idx="minor">
+              <a:schemeClr val="tx1"/>
+            </a:fontRef>
+          </p:style>
+          <p:txBody>
+            <a:bodyPr rtlCol="0" anchor="ctr"/>
+            <a:lstStyle/>
+            <a:p>
+              <a:pPr algn="r"/>
+              <a:endParaRPr lang="fr-FR"/>
+            </a:p>
+          </p:txBody>
+        </p:sp>
+      </p:grpSp>
+      <p:sp>
+        <p:nvSpPr>
+          <p:cNvPr id="93" name="ZoneTexte 92"/>
+          <p:cNvSpPr txBox="1"/>
+          <p:nvPr/>
+        </p:nvSpPr>
+        <p:spPr>
+          <a:xfrm>
+            <a:off x="4715403" y="3868938"/>
+            <a:ext cx="1286983" cy="400110"/>
+          </a:xfrm>
+          <a:prstGeom prst="rect">
+            <a:avLst/>
+          </a:prstGeom>
+          <a:noFill/>
+        </p:spPr>
+        <p:txBody>
+          <a:bodyPr vert="horz" wrap="square" rtlCol="0">
+            <a:spAutoFit/>
+          </a:bodyPr>
+          <a:lstStyle/>
+          <a:p>
+            <a:pPr algn="ctr"/>
+            <a:r>
+              <a:rPr lang="fr-FR" sz="2000" dirty="0" err="1" smtClean="0">
+                <a:solidFill>
+                  <a:srgbClr val="313131"/>
+                </a:solidFill>
+                <a:latin typeface="Abadi MT Condensed Light"/>
+                <a:cs typeface="Abadi MT Condensed Light"/>
+              </a:rPr>
+              <a:t>a_redoublé</a:t>
             </a:r>
             <a:endParaRPr lang="fr-FR" sz="2000" dirty="0">
               <a:solidFill>
